--- a/проект.pptx
+++ b/проект.pptx
@@ -108,6 +108,11 @@
       </a:defRPr>
     </a:lvl9pPr>
   </p:defaultTextStyle>
+  <p:extLst>
+    <p:ext uri="{EFAFB233-063F-42B5-8137-9DF3F51BA10A}">
+      <p15:sldGuideLst xmlns:p15="http://schemas.microsoft.com/office/powerpoint/2012/main"/>
+    </p:ext>
+  </p:extLst>
 </p:presentation>
 </file>
 
@@ -3587,7 +3592,21 @@
                 <a:latin typeface="Segoe UI Black" panose="020B0A02040204020203" pitchFamily="34" charset="0"/>
                 <a:ea typeface="Segoe UI Black" panose="020B0A02040204020203" pitchFamily="34" charset="0"/>
               </a:rPr>
-              <a:t> Этот процесс намного ускоряет пропускной контроль и объем персонала</a:t>
+              <a:t> Этот процесс намного ускоряет пропускной контроль и</a:t>
+            </a:r>
+            <a:r>
+              <a:rPr lang="en-US" sz="3600" dirty="0">
+                <a:latin typeface="Segoe UI Black" panose="020B0A02040204020203" pitchFamily="34" charset="0"/>
+                <a:ea typeface="Segoe UI Black" panose="020B0A02040204020203" pitchFamily="34" charset="0"/>
+              </a:rPr>
+              <a:t> </a:t>
+            </a:r>
+            <a:r>
+              <a:rPr lang="ru-RU" sz="3600" dirty="0">
+                <a:latin typeface="Segoe UI Black" panose="020B0A02040204020203" pitchFamily="34" charset="0"/>
+                <a:ea typeface="Segoe UI Black" panose="020B0A02040204020203" pitchFamily="34" charset="0"/>
+              </a:rPr>
+              <a:t>уменьшает объем персонала</a:t>
             </a:r>
           </a:p>
         </p:txBody>
@@ -3774,8 +3793,8 @@
         </p:nvSpPr>
         <p:spPr>
           <a:xfrm>
-            <a:off x="4" y="1843950"/>
-            <a:ext cx="12191996" cy="3170099"/>
+            <a:off x="4" y="1536174"/>
+            <a:ext cx="12191996" cy="3785652"/>
           </a:xfrm>
           <a:prstGeom prst="rect">
             <a:avLst/>
@@ -3794,7 +3813,7 @@
                 <a:latin typeface="Segoe UI Black" panose="020B0A02040204020203" pitchFamily="34" charset="0"/>
                 <a:ea typeface="Segoe UI Black" panose="020B0A02040204020203" pitchFamily="34" charset="0"/>
               </a:rPr>
-              <a:t>В заключении, хотелось бы сказать что данная отрасль, связанная с урезанием ручного труда является довольно перспективной, и развивая её, можно добиться больших успехов</a:t>
+              <a:t>В заключении, хотелось бы сказать что данная отрасль, связанная с урезанием ручного труда с помощью нейросетей является довольно перспективной, и развивая её, можно добиться больших успехов</a:t>
             </a:r>
           </a:p>
         </p:txBody>
